--- a/Section06/week2day2.pptx
+++ b/Section06/week2day2.pptx
@@ -276,7 +276,7 @@
           <a:p>
             <a:fld id="{72ED0BAF-4F47-4E82-BDB2-C2887A4CE39E}" type="datetimeFigureOut">
               <a:rPr lang="en-US" smtClean="0"/>
-              <a:t>1/18/2022</a:t>
+              <a:t>10/3/2022</a:t>
             </a:fld>
             <a:endParaRPr lang="en-US"/>
           </a:p>
@@ -477,7 +477,7 @@
           <a:p>
             <a:fld id="{72ED0BAF-4F47-4E82-BDB2-C2887A4CE39E}" type="datetimeFigureOut">
               <a:rPr lang="en-US" smtClean="0"/>
-              <a:t>1/18/2022</a:t>
+              <a:t>10/3/2022</a:t>
             </a:fld>
             <a:endParaRPr lang="en-US"/>
           </a:p>
@@ -688,7 +688,7 @@
           <a:p>
             <a:fld id="{72ED0BAF-4F47-4E82-BDB2-C2887A4CE39E}" type="datetimeFigureOut">
               <a:rPr lang="en-US" smtClean="0"/>
-              <a:t>1/18/2022</a:t>
+              <a:t>10/3/2022</a:t>
             </a:fld>
             <a:endParaRPr lang="en-US"/>
           </a:p>
@@ -889,7 +889,7 @@
           <a:p>
             <a:fld id="{D71203D8-58C2-4C48-8094-4E5BF12B1019}" type="datetimeFigureOut">
               <a:rPr lang="en-US" smtClean="0"/>
-              <a:t>1/18/2022</a:t>
+              <a:t>10/3/2022</a:t>
             </a:fld>
             <a:endParaRPr lang="en-US"/>
           </a:p>
@@ -1157,7 +1157,7 @@
           <a:p>
             <a:fld id="{D71203D8-58C2-4C48-8094-4E5BF12B1019}" type="datetimeFigureOut">
               <a:rPr lang="en-US" smtClean="0"/>
-              <a:t>1/18/2022</a:t>
+              <a:t>10/3/2022</a:t>
             </a:fld>
             <a:endParaRPr lang="en-US"/>
           </a:p>
@@ -1322,7 +1322,7 @@
                 <a:tabLst/>
                 <a:defRPr/>
               </a:pPr>
-              <a:t>1/18/2022</a:t>
+              <a:t>10/3/2022</a:t>
             </a:fld>
             <a:endParaRPr kumimoji="0" lang="en-US" sz="1200" b="0" i="0" u="none" strike="noStrike" kern="1200" cap="none" spc="0" normalizeH="0" baseline="0" noProof="0">
               <a:ln>
@@ -1634,7 +1634,7 @@
           <a:p>
             <a:fld id="{72ED0BAF-4F47-4E82-BDB2-C2887A4CE39E}" type="datetimeFigureOut">
               <a:rPr lang="en-US" smtClean="0"/>
-              <a:t>1/18/2022</a:t>
+              <a:t>10/3/2022</a:t>
             </a:fld>
             <a:endParaRPr lang="en-US"/>
           </a:p>
@@ -1912,7 +1912,7 @@
           <a:p>
             <a:fld id="{72ED0BAF-4F47-4E82-BDB2-C2887A4CE39E}" type="datetimeFigureOut">
               <a:rPr lang="en-US" smtClean="0"/>
-              <a:t>1/18/2022</a:t>
+              <a:t>10/3/2022</a:t>
             </a:fld>
             <a:endParaRPr lang="en-US"/>
           </a:p>
@@ -2180,7 +2180,7 @@
           <a:p>
             <a:fld id="{72ED0BAF-4F47-4E82-BDB2-C2887A4CE39E}" type="datetimeFigureOut">
               <a:rPr lang="en-US" smtClean="0"/>
-              <a:t>1/18/2022</a:t>
+              <a:t>10/3/2022</a:t>
             </a:fld>
             <a:endParaRPr lang="en-US"/>
           </a:p>
@@ -2595,7 +2595,7 @@
           <a:p>
             <a:fld id="{72ED0BAF-4F47-4E82-BDB2-C2887A4CE39E}" type="datetimeFigureOut">
               <a:rPr lang="en-US" smtClean="0"/>
-              <a:t>1/18/2022</a:t>
+              <a:t>10/3/2022</a:t>
             </a:fld>
             <a:endParaRPr lang="en-US"/>
           </a:p>
@@ -2739,7 +2739,7 @@
           <a:p>
             <a:fld id="{72ED0BAF-4F47-4E82-BDB2-C2887A4CE39E}" type="datetimeFigureOut">
               <a:rPr lang="en-US" smtClean="0"/>
-              <a:t>1/18/2022</a:t>
+              <a:t>10/3/2022</a:t>
             </a:fld>
             <a:endParaRPr lang="en-US"/>
           </a:p>
@@ -2855,7 +2855,7 @@
           <a:p>
             <a:fld id="{72ED0BAF-4F47-4E82-BDB2-C2887A4CE39E}" type="datetimeFigureOut">
               <a:rPr lang="en-US" smtClean="0"/>
-              <a:t>1/18/2022</a:t>
+              <a:t>10/3/2022</a:t>
             </a:fld>
             <a:endParaRPr lang="en-US"/>
           </a:p>
@@ -3169,7 +3169,7 @@
           <a:p>
             <a:fld id="{72ED0BAF-4F47-4E82-BDB2-C2887A4CE39E}" type="datetimeFigureOut">
               <a:rPr lang="en-US" smtClean="0"/>
-              <a:t>1/18/2022</a:t>
+              <a:t>10/3/2022</a:t>
             </a:fld>
             <a:endParaRPr lang="en-US"/>
           </a:p>
@@ -3460,7 +3460,7 @@
           <a:p>
             <a:fld id="{72ED0BAF-4F47-4E82-BDB2-C2887A4CE39E}" type="datetimeFigureOut">
               <a:rPr lang="en-US" smtClean="0"/>
-              <a:t>1/18/2022</a:t>
+              <a:t>10/3/2022</a:t>
             </a:fld>
             <a:endParaRPr lang="en-US"/>
           </a:p>
@@ -3704,7 +3704,7 @@
           <a:p>
             <a:fld id="{72ED0BAF-4F47-4E82-BDB2-C2887A4CE39E}" type="datetimeFigureOut">
               <a:rPr lang="en-US" smtClean="0"/>
-              <a:t>1/18/2022</a:t>
+              <a:t>10/3/2022</a:t>
             </a:fld>
             <a:endParaRPr lang="en-US"/>
           </a:p>
@@ -4305,7 +4305,7 @@
           <a:p>
             <a:fld id="{D71203D8-58C2-4C48-8094-4E5BF12B1019}" type="datetimeFigureOut">
               <a:rPr lang="en-US" smtClean="0"/>
-              <a:t>1/18/2022</a:t>
+              <a:t>10/3/2022</a:t>
             </a:fld>
             <a:endParaRPr lang="en-US"/>
           </a:p>
@@ -8488,8 +8488,8 @@
         </p:nvSpPr>
         <p:spPr>
           <a:xfrm>
-            <a:off x="2398902" y="2929718"/>
-            <a:ext cx="7394196" cy="4351338"/>
+            <a:off x="2398902" y="2560814"/>
+            <a:ext cx="7394196" cy="4023975"/>
           </a:xfrm>
         </p:spPr>
         <p:txBody>
@@ -9716,7 +9716,7 @@
           <a:lstStyle/>
           <a:p>
             <a:pPr algn="ctr"/>
-            <a:endParaRPr lang="en-US"/>
+            <a:endParaRPr lang="en-US" dirty="0"/>
           </a:p>
         </p:txBody>
       </p:sp>
@@ -9738,8 +9738,8 @@
         </p:nvSpPr>
         <p:spPr>
           <a:xfrm>
-            <a:off x="925946" y="2766218"/>
-            <a:ext cx="5181600" cy="1325563"/>
+            <a:off x="1148316" y="2647507"/>
+            <a:ext cx="4284921" cy="1461100"/>
           </a:xfrm>
         </p:spPr>
         <p:txBody>
@@ -9752,25 +9752,12 @@
               <a:buNone/>
             </a:pPr>
             <a:r>
-              <a:rPr lang="en-US" dirty="0">
+              <a:rPr lang="en-US" sz="3200" dirty="0">
                 <a:solidFill>
                   <a:srgbClr val="FFFF00"/>
                 </a:solidFill>
               </a:rPr>
-              <a:t>You can execute a set of statements as long as </a:t>
-            </a:r>
-          </a:p>
-          <a:p>
-            <a:pPr marL="0" indent="0">
-              <a:buNone/>
-            </a:pPr>
-            <a:r>
-              <a:rPr lang="en-US" dirty="0">
-                <a:solidFill>
-                  <a:srgbClr val="FFFF00"/>
-                </a:solidFill>
-              </a:rPr>
-              <a:t>a condition is true.</a:t>
+              <a:t>You can execute a set of statements as long as a condition is true.</a:t>
             </a:r>
           </a:p>
         </p:txBody>
@@ -10192,9 +10179,9 @@
                                           </p:stCondLst>
                                         </p:cTn>
                                         <p:tgtEl>
-                                          <p:spTgt spid="3">
-                                            <p:txEl>
-                                              <p:pRg st="1" end="1"/>
+                                          <p:spTgt spid="4">
+                                            <p:txEl>
+                                              <p:pRg st="0" end="0"/>
                                             </p:txEl>
                                           </p:spTgt>
                                         </p:tgtEl>
@@ -10210,9 +10197,9 @@
                                       <p:cBhvr additive="base">
                                         <p:cTn id="13" dur="500" fill="hold"/>
                                         <p:tgtEl>
-                                          <p:spTgt spid="3">
-                                            <p:txEl>
-                                              <p:pRg st="1" end="1"/>
+                                          <p:spTgt spid="4">
+                                            <p:txEl>
+                                              <p:pRg st="0" end="0"/>
                                             </p:txEl>
                                           </p:spTgt>
                                         </p:tgtEl>
@@ -10237,9 +10224,9 @@
                                       <p:cBhvr additive="base">
                                         <p:cTn id="14" dur="500" fill="hold"/>
                                         <p:tgtEl>
-                                          <p:spTgt spid="3">
-                                            <p:txEl>
-                                              <p:pRg st="1" end="1"/>
+                                          <p:spTgt spid="4">
+                                            <p:txEl>
+                                              <p:pRg st="0" end="0"/>
                                             </p:txEl>
                                           </p:spTgt>
                                         </p:tgtEl>
@@ -10297,7 +10284,7 @@
                                         <p:tgtEl>
                                           <p:spTgt spid="4">
                                             <p:txEl>
-                                              <p:pRg st="0" end="0"/>
+                                              <p:pRg st="1" end="1"/>
                                             </p:txEl>
                                           </p:spTgt>
                                         </p:tgtEl>
@@ -10315,7 +10302,7 @@
                                         <p:tgtEl>
                                           <p:spTgt spid="4">
                                             <p:txEl>
-                                              <p:pRg st="0" end="0"/>
+                                              <p:pRg st="1" end="1"/>
                                             </p:txEl>
                                           </p:spTgt>
                                         </p:tgtEl>
@@ -10342,7 +10329,7 @@
                                         <p:tgtEl>
                                           <p:spTgt spid="4">
                                             <p:txEl>
-                                              <p:pRg st="0" end="0"/>
+                                              <p:pRg st="1" end="1"/>
                                             </p:txEl>
                                           </p:spTgt>
                                         </p:tgtEl>
@@ -10400,7 +10387,7 @@
                                         <p:tgtEl>
                                           <p:spTgt spid="4">
                                             <p:txEl>
-                                              <p:pRg st="1" end="1"/>
+                                              <p:pRg st="2" end="2"/>
                                             </p:txEl>
                                           </p:spTgt>
                                         </p:tgtEl>
@@ -10418,7 +10405,7 @@
                                         <p:tgtEl>
                                           <p:spTgt spid="4">
                                             <p:txEl>
-                                              <p:pRg st="1" end="1"/>
+                                              <p:pRg st="2" end="2"/>
                                             </p:txEl>
                                           </p:spTgt>
                                         </p:tgtEl>
@@ -10445,7 +10432,7 @@
                                         <p:tgtEl>
                                           <p:spTgt spid="4">
                                             <p:txEl>
-                                              <p:pRg st="1" end="1"/>
+                                              <p:pRg st="2" end="2"/>
                                             </p:txEl>
                                           </p:spTgt>
                                         </p:tgtEl>
@@ -10503,7 +10490,7 @@
                                         <p:tgtEl>
                                           <p:spTgt spid="4">
                                             <p:txEl>
-                                              <p:pRg st="2" end="2"/>
+                                              <p:pRg st="3" end="3"/>
                                             </p:txEl>
                                           </p:spTgt>
                                         </p:tgtEl>
@@ -10521,7 +10508,7 @@
                                         <p:tgtEl>
                                           <p:spTgt spid="4">
                                             <p:txEl>
-                                              <p:pRg st="2" end="2"/>
+                                              <p:pRg st="3" end="3"/>
                                             </p:txEl>
                                           </p:spTgt>
                                         </p:tgtEl>
@@ -10548,7 +10535,7 @@
                                         <p:tgtEl>
                                           <p:spTgt spid="4">
                                             <p:txEl>
-                                              <p:pRg st="2" end="2"/>
+                                              <p:pRg st="3" end="3"/>
                                             </p:txEl>
                                           </p:spTgt>
                                         </p:tgtEl>
@@ -10606,7 +10593,7 @@
                                         <p:tgtEl>
                                           <p:spTgt spid="4">
                                             <p:txEl>
-                                              <p:pRg st="3" end="3"/>
+                                              <p:pRg st="4" end="4"/>
                                             </p:txEl>
                                           </p:spTgt>
                                         </p:tgtEl>
@@ -10624,7 +10611,7 @@
                                         <p:tgtEl>
                                           <p:spTgt spid="4">
                                             <p:txEl>
-                                              <p:pRg st="3" end="3"/>
+                                              <p:pRg st="4" end="4"/>
                                             </p:txEl>
                                           </p:spTgt>
                                         </p:tgtEl>
@@ -10651,7 +10638,7 @@
                                         <p:tgtEl>
                                           <p:spTgt spid="4">
                                             <p:txEl>
-                                              <p:pRg st="3" end="3"/>
+                                              <p:pRg st="4" end="4"/>
                                             </p:txEl>
                                           </p:spTgt>
                                         </p:tgtEl>
@@ -10709,7 +10696,7 @@
                                         <p:tgtEl>
                                           <p:spTgt spid="4">
                                             <p:txEl>
-                                              <p:pRg st="4" end="4"/>
+                                              <p:pRg st="5" end="5"/>
                                             </p:txEl>
                                           </p:spTgt>
                                         </p:tgtEl>
@@ -10727,7 +10714,7 @@
                                         <p:tgtEl>
                                           <p:spTgt spid="4">
                                             <p:txEl>
-                                              <p:pRg st="4" end="4"/>
+                                              <p:pRg st="5" end="5"/>
                                             </p:txEl>
                                           </p:spTgt>
                                         </p:tgtEl>
@@ -10754,7 +10741,7 @@
                                         <p:tgtEl>
                                           <p:spTgt spid="4">
                                             <p:txEl>
-                                              <p:pRg st="4" end="4"/>
+                                              <p:pRg st="5" end="5"/>
                                             </p:txEl>
                                           </p:spTgt>
                                         </p:tgtEl>
@@ -10812,7 +10799,7 @@
                                         <p:tgtEl>
                                           <p:spTgt spid="4">
                                             <p:txEl>
-                                              <p:pRg st="5" end="5"/>
+                                              <p:pRg st="6" end="6"/>
                                             </p:txEl>
                                           </p:spTgt>
                                         </p:tgtEl>
@@ -10830,7 +10817,7 @@
                                         <p:tgtEl>
                                           <p:spTgt spid="4">
                                             <p:txEl>
-                                              <p:pRg st="5" end="5"/>
+                                              <p:pRg st="6" end="6"/>
                                             </p:txEl>
                                           </p:spTgt>
                                         </p:tgtEl>
@@ -10857,7 +10844,7 @@
                                         <p:tgtEl>
                                           <p:spTgt spid="4">
                                             <p:txEl>
-                                              <p:pRg st="5" end="5"/>
+                                              <p:pRg st="6" end="6"/>
                                             </p:txEl>
                                           </p:spTgt>
                                         </p:tgtEl>
@@ -10915,7 +10902,7 @@
                                         <p:tgtEl>
                                           <p:spTgt spid="4">
                                             <p:txEl>
-                                              <p:pRg st="6" end="6"/>
+                                              <p:pRg st="7" end="7"/>
                                             </p:txEl>
                                           </p:spTgt>
                                         </p:tgtEl>
@@ -10933,7 +10920,7 @@
                                         <p:tgtEl>
                                           <p:spTgt spid="4">
                                             <p:txEl>
-                                              <p:pRg st="6" end="6"/>
+                                              <p:pRg st="7" end="7"/>
                                             </p:txEl>
                                           </p:spTgt>
                                         </p:tgtEl>
@@ -10960,7 +10947,7 @@
                                         <p:tgtEl>
                                           <p:spTgt spid="4">
                                             <p:txEl>
-                                              <p:pRg st="6" end="6"/>
+                                              <p:pRg st="7" end="7"/>
                                             </p:txEl>
                                           </p:spTgt>
                                         </p:tgtEl>
@@ -11018,7 +11005,7 @@
                                         <p:tgtEl>
                                           <p:spTgt spid="4">
                                             <p:txEl>
-                                              <p:pRg st="7" end="7"/>
+                                              <p:pRg st="8" end="8"/>
                                             </p:txEl>
                                           </p:spTgt>
                                         </p:tgtEl>
@@ -11036,7 +11023,7 @@
                                         <p:tgtEl>
                                           <p:spTgt spid="4">
                                             <p:txEl>
-                                              <p:pRg st="7" end="7"/>
+                                              <p:pRg st="8" end="8"/>
                                             </p:txEl>
                                           </p:spTgt>
                                         </p:tgtEl>
@@ -11060,109 +11047,6 @@
                                     <p:anim calcmode="lin" valueType="num">
                                       <p:cBhvr additive="base">
                                         <p:cTn id="62" dur="500" fill="hold"/>
-                                        <p:tgtEl>
-                                          <p:spTgt spid="4">
-                                            <p:txEl>
-                                              <p:pRg st="7" end="7"/>
-                                            </p:txEl>
-                                          </p:spTgt>
-                                        </p:tgtEl>
-                                        <p:attrNameLst>
-                                          <p:attrName>ppt_y</p:attrName>
-                                        </p:attrNameLst>
-                                      </p:cBhvr>
-                                      <p:tavLst>
-                                        <p:tav tm="0">
-                                          <p:val>
-                                            <p:strVal val="1+#ppt_h/2"/>
-                                          </p:val>
-                                        </p:tav>
-                                        <p:tav tm="100000">
-                                          <p:val>
-                                            <p:strVal val="#ppt_y"/>
-                                          </p:val>
-                                        </p:tav>
-                                      </p:tavLst>
-                                    </p:anim>
-                                  </p:childTnLst>
-                                </p:cTn>
-                              </p:par>
-                            </p:childTnLst>
-                          </p:cTn>
-                        </p:par>
-                      </p:childTnLst>
-                    </p:cTn>
-                  </p:par>
-                  <p:par>
-                    <p:cTn id="63" fill="hold">
-                      <p:stCondLst>
-                        <p:cond delay="indefinite"/>
-                      </p:stCondLst>
-                      <p:childTnLst>
-                        <p:par>
-                          <p:cTn id="64" fill="hold">
-                            <p:stCondLst>
-                              <p:cond delay="0"/>
-                            </p:stCondLst>
-                            <p:childTnLst>
-                              <p:par>
-                                <p:cTn id="65" presetID="2" presetClass="entr" presetSubtype="4" fill="hold" grpId="0" nodeType="clickEffect">
-                                  <p:stCondLst>
-                                    <p:cond delay="0"/>
-                                  </p:stCondLst>
-                                  <p:childTnLst>
-                                    <p:set>
-                                      <p:cBhvr>
-                                        <p:cTn id="66" dur="1" fill="hold">
-                                          <p:stCondLst>
-                                            <p:cond delay="0"/>
-                                          </p:stCondLst>
-                                        </p:cTn>
-                                        <p:tgtEl>
-                                          <p:spTgt spid="4">
-                                            <p:txEl>
-                                              <p:pRg st="8" end="8"/>
-                                            </p:txEl>
-                                          </p:spTgt>
-                                        </p:tgtEl>
-                                        <p:attrNameLst>
-                                          <p:attrName>style.visibility</p:attrName>
-                                        </p:attrNameLst>
-                                      </p:cBhvr>
-                                      <p:to>
-                                        <p:strVal val="visible"/>
-                                      </p:to>
-                                    </p:set>
-                                    <p:anim calcmode="lin" valueType="num">
-                                      <p:cBhvr additive="base">
-                                        <p:cTn id="67" dur="500" fill="hold"/>
-                                        <p:tgtEl>
-                                          <p:spTgt spid="4">
-                                            <p:txEl>
-                                              <p:pRg st="8" end="8"/>
-                                            </p:txEl>
-                                          </p:spTgt>
-                                        </p:tgtEl>
-                                        <p:attrNameLst>
-                                          <p:attrName>ppt_x</p:attrName>
-                                        </p:attrNameLst>
-                                      </p:cBhvr>
-                                      <p:tavLst>
-                                        <p:tav tm="0">
-                                          <p:val>
-                                            <p:strVal val="#ppt_x"/>
-                                          </p:val>
-                                        </p:tav>
-                                        <p:tav tm="100000">
-                                          <p:val>
-                                            <p:strVal val="#ppt_x"/>
-                                          </p:val>
-                                        </p:tav>
-                                      </p:tavLst>
-                                    </p:anim>
-                                    <p:anim calcmode="lin" valueType="num">
-                                      <p:cBhvr additive="base">
-                                        <p:cTn id="68" dur="500" fill="hold"/>
                                         <p:tgtEl>
                                           <p:spTgt spid="4">
                                             <p:txEl>
@@ -14199,27 +14083,7 @@
                 <a:effectLst/>
                 <a:latin typeface="Verdana" panose="020B0604030504040204" pitchFamily="34" charset="0"/>
               </a:rPr>
-              <a:t>sed to store data values in </a:t>
-            </a:r>
-            <a:r>
-              <a:rPr lang="en-US" b="0" i="0" dirty="0" err="1">
-                <a:solidFill>
-                  <a:srgbClr val="000000"/>
-                </a:solidFill>
-                <a:effectLst/>
-                <a:latin typeface="Verdana" panose="020B0604030504040204" pitchFamily="34" charset="0"/>
-              </a:rPr>
-              <a:t>key:value</a:t>
-            </a:r>
-            <a:r>
-              <a:rPr lang="en-US" b="0" i="0" dirty="0">
-                <a:solidFill>
-                  <a:srgbClr val="000000"/>
-                </a:solidFill>
-                <a:effectLst/>
-                <a:latin typeface="Verdana" panose="020B0604030504040204" pitchFamily="34" charset="0"/>
-              </a:rPr>
-              <a:t> pairs.</a:t>
+              <a:t>sed to store data values in {“key” : “value”} pairs.</a:t>
             </a:r>
           </a:p>
           <a:p>
